--- a/Leaflet/Two-Page_Version/review/b_openchain_leaflet_20180629.pptx
+++ b/Leaflet/Two-Page_Version/review/b_openchain_leaflet_20180629.pptx
@@ -260,7 +260,7 @@
           <a:p>
             <a:fld id="{83F10594-1B62-4B90-920A-44E63AFA5E18}" type="datetimeFigureOut">
               <a:rPr kumimoji="1" lang="ja-JP" altLang="en-US" smtClean="0"/>
-              <a:t>2018/6/29</a:t>
+              <a:t>2018/7/30</a:t>
             </a:fld>
             <a:endParaRPr kumimoji="1" lang="ja-JP" altLang="en-US"/>
           </a:p>
@@ -490,7 +490,7 @@
           <a:p>
             <a:fld id="{83F10594-1B62-4B90-920A-44E63AFA5E18}" type="datetimeFigureOut">
               <a:rPr kumimoji="1" lang="ja-JP" altLang="en-US" smtClean="0"/>
-              <a:t>2018/6/29</a:t>
+              <a:t>2018/7/30</a:t>
             </a:fld>
             <a:endParaRPr kumimoji="1" lang="ja-JP" altLang="en-US"/>
           </a:p>
@@ -730,7 +730,7 @@
           <a:p>
             <a:fld id="{83F10594-1B62-4B90-920A-44E63AFA5E18}" type="datetimeFigureOut">
               <a:rPr kumimoji="1" lang="ja-JP" altLang="en-US" smtClean="0"/>
-              <a:t>2018/6/29</a:t>
+              <a:t>2018/7/30</a:t>
             </a:fld>
             <a:endParaRPr kumimoji="1" lang="ja-JP" altLang="en-US"/>
           </a:p>
@@ -960,7 +960,7 @@
           <a:p>
             <a:fld id="{83F10594-1B62-4B90-920A-44E63AFA5E18}" type="datetimeFigureOut">
               <a:rPr kumimoji="1" lang="ja-JP" altLang="en-US" smtClean="0"/>
-              <a:t>2018/6/29</a:t>
+              <a:t>2018/7/30</a:t>
             </a:fld>
             <a:endParaRPr kumimoji="1" lang="ja-JP" altLang="en-US"/>
           </a:p>
@@ -1235,7 +1235,7 @@
           <a:p>
             <a:fld id="{83F10594-1B62-4B90-920A-44E63AFA5E18}" type="datetimeFigureOut">
               <a:rPr kumimoji="1" lang="ja-JP" altLang="en-US" smtClean="0"/>
-              <a:t>2018/6/29</a:t>
+              <a:t>2018/7/30</a:t>
             </a:fld>
             <a:endParaRPr kumimoji="1" lang="ja-JP" altLang="en-US"/>
           </a:p>
@@ -1564,7 +1564,7 @@
           <a:p>
             <a:fld id="{83F10594-1B62-4B90-920A-44E63AFA5E18}" type="datetimeFigureOut">
               <a:rPr kumimoji="1" lang="ja-JP" altLang="en-US" smtClean="0"/>
-              <a:t>2018/6/29</a:t>
+              <a:t>2018/7/30</a:t>
             </a:fld>
             <a:endParaRPr kumimoji="1" lang="ja-JP" altLang="en-US"/>
           </a:p>
@@ -2040,7 +2040,7 @@
           <a:p>
             <a:fld id="{83F10594-1B62-4B90-920A-44E63AFA5E18}" type="datetimeFigureOut">
               <a:rPr kumimoji="1" lang="ja-JP" altLang="en-US" smtClean="0"/>
-              <a:t>2018/6/29</a:t>
+              <a:t>2018/7/30</a:t>
             </a:fld>
             <a:endParaRPr kumimoji="1" lang="ja-JP" altLang="en-US"/>
           </a:p>
@@ -2181,7 +2181,7 @@
           <a:p>
             <a:fld id="{83F10594-1B62-4B90-920A-44E63AFA5E18}" type="datetimeFigureOut">
               <a:rPr kumimoji="1" lang="ja-JP" altLang="en-US" smtClean="0"/>
-              <a:t>2018/6/29</a:t>
+              <a:t>2018/7/30</a:t>
             </a:fld>
             <a:endParaRPr kumimoji="1" lang="ja-JP" altLang="en-US"/>
           </a:p>
@@ -2294,7 +2294,7 @@
           <a:p>
             <a:fld id="{83F10594-1B62-4B90-920A-44E63AFA5E18}" type="datetimeFigureOut">
               <a:rPr kumimoji="1" lang="ja-JP" altLang="en-US" smtClean="0"/>
-              <a:t>2018/6/29</a:t>
+              <a:t>2018/7/30</a:t>
             </a:fld>
             <a:endParaRPr kumimoji="1" lang="ja-JP" altLang="en-US"/>
           </a:p>
@@ -2637,7 +2637,7 @@
           <a:p>
             <a:fld id="{83F10594-1B62-4B90-920A-44E63AFA5E18}" type="datetimeFigureOut">
               <a:rPr kumimoji="1" lang="ja-JP" altLang="en-US" smtClean="0"/>
-              <a:t>2018/6/29</a:t>
+              <a:t>2018/7/30</a:t>
             </a:fld>
             <a:endParaRPr kumimoji="1" lang="ja-JP" altLang="en-US"/>
           </a:p>
@@ -2925,7 +2925,7 @@
           <a:p>
             <a:fld id="{83F10594-1B62-4B90-920A-44E63AFA5E18}" type="datetimeFigureOut">
               <a:rPr kumimoji="1" lang="ja-JP" altLang="en-US" smtClean="0"/>
-              <a:t>2018/6/29</a:t>
+              <a:t>2018/7/30</a:t>
             </a:fld>
             <a:endParaRPr kumimoji="1" lang="ja-JP" altLang="en-US"/>
           </a:p>
@@ -3198,7 +3198,7 @@
           <a:p>
             <a:fld id="{83F10594-1B62-4B90-920A-44E63AFA5E18}" type="datetimeFigureOut">
               <a:rPr kumimoji="1" lang="ja-JP" altLang="en-US" smtClean="0"/>
-              <a:t>2018/6/29</a:t>
+              <a:t>2018/7/30</a:t>
             </a:fld>
             <a:endParaRPr kumimoji="1" lang="ja-JP" altLang="en-US"/>
           </a:p>
@@ -4084,7 +4084,7 @@
             </a:r>
             <a:r>
               <a:rPr lang="en-US" altLang="ja-JP" sz="1100" dirty="0"/>
-              <a:t>5</a:t>
+              <a:t>7</a:t>
             </a:r>
             <a:r>
               <a:rPr lang="ja-JP" altLang="en-US" sz="1100" dirty="0"/>
@@ -4098,7 +4098,7 @@
           <a:p>
             <a:r>
               <a:rPr lang="en-US" altLang="ja-JP" sz="1100" dirty="0"/>
-              <a:t>Adobe, Arm, Cisco, COMCAST, GitHub, Harman, HPE, Hitachi, </a:t>
+              <a:t>Adobe, Arm, Cisco, COMCAST, GitHub, Harman, Hitachi, </a:t>
             </a:r>
           </a:p>
           <a:p>
@@ -5116,6 +5116,10 @@
               <a:buAutoNum type="circleNumDbPlain"/>
             </a:pPr>
             <a:r>
+              <a:rPr lang="ja-JP" altLang="en-US" sz="1100" dirty="0"/>
+              <a:t>承認</a:t>
+            </a:r>
+            <a:r>
               <a:rPr lang="ja-JP" altLang="ja-JP" sz="1100" dirty="0"/>
               <a:t>依頼メールが</a:t>
             </a:r>
@@ -5196,13 +5200,8 @@
           <a:p>
             <a:r>
               <a:rPr lang="ja-JP" altLang="en-US" sz="800" dirty="0"/>
-              <a:t>・手順④の管理者の操作は、不在等の理由でお時間をいただく場合があります．ご不便をお掛けしますが</a:t>
-            </a:r>
-            <a:r>
-              <a:rPr lang="ja-JP" altLang="en-US" sz="800"/>
-              <a:t>ご容赦ください．</a:t>
-            </a:r>
-            <a:endParaRPr lang="ja-JP" altLang="en-US" sz="800" dirty="0"/>
+              <a:t>・手順④の管理者の操作は、不在等の理由でお時間をいただく場合があります．ご不便をお掛けしますがご容赦ください．</a:t>
+            </a:r>
           </a:p>
         </p:txBody>
       </p:sp>
